--- a/res/Guitar Notation with Embedded Media.pptx
+++ b/res/Guitar Notation with Embedded Media.pptx
@@ -117,6 +117,11 @@
       </a:defRPr>
     </a:lvl9pPr>
   </p:defaultTextStyle>
+  <p:extLst>
+    <p:ext uri="{EFAFB233-063F-42B5-8137-9DF3F51BA10A}">
+      <p15:sldGuideLst xmlns:p15="http://schemas.microsoft.com/office/powerpoint/2012/main"/>
+    </p:ext>
+  </p:extLst>
 </p:presentation>
 </file>
 
@@ -269,7 +274,7 @@
           <a:p>
             <a:fld id="{710270F4-F300-4EFA-8BDE-B6848CD075EE}" type="datetimeFigureOut">
               <a:rPr lang="en-GB" smtClean="0"/>
-              <a:t>04/04/2023</a:t>
+              <a:t>05/04/2023</a:t>
             </a:fld>
             <a:endParaRPr lang="en-GB"/>
           </a:p>
@@ -469,7 +474,7 @@
           <a:p>
             <a:fld id="{710270F4-F300-4EFA-8BDE-B6848CD075EE}" type="datetimeFigureOut">
               <a:rPr lang="en-GB" smtClean="0"/>
-              <a:t>04/04/2023</a:t>
+              <a:t>05/04/2023</a:t>
             </a:fld>
             <a:endParaRPr lang="en-GB"/>
           </a:p>
@@ -679,7 +684,7 @@
           <a:p>
             <a:fld id="{710270F4-F300-4EFA-8BDE-B6848CD075EE}" type="datetimeFigureOut">
               <a:rPr lang="en-GB" smtClean="0"/>
-              <a:t>04/04/2023</a:t>
+              <a:t>05/04/2023</a:t>
             </a:fld>
             <a:endParaRPr lang="en-GB"/>
           </a:p>
@@ -879,7 +884,7 @@
           <a:p>
             <a:fld id="{710270F4-F300-4EFA-8BDE-B6848CD075EE}" type="datetimeFigureOut">
               <a:rPr lang="en-GB" smtClean="0"/>
-              <a:t>04/04/2023</a:t>
+              <a:t>05/04/2023</a:t>
             </a:fld>
             <a:endParaRPr lang="en-GB"/>
           </a:p>
@@ -1155,7 +1160,7 @@
           <a:p>
             <a:fld id="{710270F4-F300-4EFA-8BDE-B6848CD075EE}" type="datetimeFigureOut">
               <a:rPr lang="en-GB" smtClean="0"/>
-              <a:t>04/04/2023</a:t>
+              <a:t>05/04/2023</a:t>
             </a:fld>
             <a:endParaRPr lang="en-GB"/>
           </a:p>
@@ -1423,7 +1428,7 @@
           <a:p>
             <a:fld id="{710270F4-F300-4EFA-8BDE-B6848CD075EE}" type="datetimeFigureOut">
               <a:rPr lang="en-GB" smtClean="0"/>
-              <a:t>04/04/2023</a:t>
+              <a:t>05/04/2023</a:t>
             </a:fld>
             <a:endParaRPr lang="en-GB"/>
           </a:p>
@@ -1838,7 +1843,7 @@
           <a:p>
             <a:fld id="{710270F4-F300-4EFA-8BDE-B6848CD075EE}" type="datetimeFigureOut">
               <a:rPr lang="en-GB" smtClean="0"/>
-              <a:t>04/04/2023</a:t>
+              <a:t>05/04/2023</a:t>
             </a:fld>
             <a:endParaRPr lang="en-GB"/>
           </a:p>
@@ -1980,7 +1985,7 @@
           <a:p>
             <a:fld id="{710270F4-F300-4EFA-8BDE-B6848CD075EE}" type="datetimeFigureOut">
               <a:rPr lang="en-GB" smtClean="0"/>
-              <a:t>04/04/2023</a:t>
+              <a:t>05/04/2023</a:t>
             </a:fld>
             <a:endParaRPr lang="en-GB"/>
           </a:p>
@@ -2093,7 +2098,7 @@
           <a:p>
             <a:fld id="{710270F4-F300-4EFA-8BDE-B6848CD075EE}" type="datetimeFigureOut">
               <a:rPr lang="en-GB" smtClean="0"/>
-              <a:t>04/04/2023</a:t>
+              <a:t>05/04/2023</a:t>
             </a:fld>
             <a:endParaRPr lang="en-GB"/>
           </a:p>
@@ -2406,7 +2411,7 @@
           <a:p>
             <a:fld id="{710270F4-F300-4EFA-8BDE-B6848CD075EE}" type="datetimeFigureOut">
               <a:rPr lang="en-GB" smtClean="0"/>
-              <a:t>04/04/2023</a:t>
+              <a:t>05/04/2023</a:t>
             </a:fld>
             <a:endParaRPr lang="en-GB"/>
           </a:p>
@@ -2695,7 +2700,7 @@
           <a:p>
             <a:fld id="{710270F4-F300-4EFA-8BDE-B6848CD075EE}" type="datetimeFigureOut">
               <a:rPr lang="en-GB" smtClean="0"/>
-              <a:t>04/04/2023</a:t>
+              <a:t>05/04/2023</a:t>
             </a:fld>
             <a:endParaRPr lang="en-GB"/>
           </a:p>
@@ -2938,7 +2943,7 @@
           <a:p>
             <a:fld id="{710270F4-F300-4EFA-8BDE-B6848CD075EE}" type="datetimeFigureOut">
               <a:rPr lang="en-GB" smtClean="0"/>
-              <a:t>04/04/2023</a:t>
+              <a:t>05/04/2023</a:t>
             </a:fld>
             <a:endParaRPr lang="en-GB"/>
           </a:p>
@@ -9985,6 +9990,78 @@
           </a:prstGeom>
         </p:spPr>
       </p:pic>
+      <p:pic>
+        <p:nvPicPr>
+          <p:cNvPr id="4" name="Picture 3" descr="A picture containing text, monitor, electronics, camera&#10;&#10;Description automatically generated">
+            <a:extLst>
+              <a:ext uri="{FF2B5EF4-FFF2-40B4-BE49-F238E27FC236}">
+                <a16:creationId xmlns:a16="http://schemas.microsoft.com/office/drawing/2014/main" id="{7F3D04DA-F616-33E2-FEDA-4E19372261E8}"/>
+              </a:ext>
+            </a:extLst>
+          </p:cNvPr>
+          <p:cNvPicPr>
+            <a:picLocks noChangeAspect="1"/>
+          </p:cNvPicPr>
+          <p:nvPr/>
+        </p:nvPicPr>
+        <p:blipFill>
+          <a:blip r:embed="rId3">
+            <a:extLst>
+              <a:ext uri="{28A0092B-C50C-407E-A947-70E740481C1C}">
+                <a14:useLocalDpi xmlns:a14="http://schemas.microsoft.com/office/drawing/2010/main" val="0"/>
+              </a:ext>
+            </a:extLst>
+          </a:blip>
+          <a:stretch>
+            <a:fillRect/>
+          </a:stretch>
+        </p:blipFill>
+        <p:spPr>
+          <a:xfrm>
+            <a:off x="6096000" y="5250687"/>
+            <a:ext cx="3385172" cy="1452482"/>
+          </a:xfrm>
+          <a:prstGeom prst="rect">
+            <a:avLst/>
+          </a:prstGeom>
+        </p:spPr>
+      </p:pic>
+      <p:pic>
+        <p:nvPicPr>
+          <p:cNvPr id="7" name="Picture 6" descr="A black camera with a lens&#10;&#10;Description automatically generated with medium confidence">
+            <a:extLst>
+              <a:ext uri="{FF2B5EF4-FFF2-40B4-BE49-F238E27FC236}">
+                <a16:creationId xmlns:a16="http://schemas.microsoft.com/office/drawing/2014/main" id="{C6DF7296-2220-FCBE-2AFB-ECFA15D049FE}"/>
+              </a:ext>
+            </a:extLst>
+          </p:cNvPr>
+          <p:cNvPicPr>
+            <a:picLocks noChangeAspect="1"/>
+          </p:cNvPicPr>
+          <p:nvPr/>
+        </p:nvPicPr>
+        <p:blipFill>
+          <a:blip r:embed="rId4">
+            <a:extLst>
+              <a:ext uri="{28A0092B-C50C-407E-A947-70E740481C1C}">
+                <a14:useLocalDpi xmlns:a14="http://schemas.microsoft.com/office/drawing/2010/main" val="0"/>
+              </a:ext>
+            </a:extLst>
+          </a:blip>
+          <a:stretch>
+            <a:fillRect/>
+          </a:stretch>
+        </p:blipFill>
+        <p:spPr>
+          <a:xfrm>
+            <a:off x="3416055" y="4926628"/>
+            <a:ext cx="2020603" cy="1776541"/>
+          </a:xfrm>
+          <a:prstGeom prst="rect">
+            <a:avLst/>
+          </a:prstGeom>
+        </p:spPr>
+      </p:pic>
     </p:spTree>
     <p:extLst>
       <p:ext uri="{BB962C8B-B14F-4D97-AF65-F5344CB8AC3E}">
